--- a/Unit 8 and 9 Case Study 1/Beers & Breweries/EDA Slide Deck.pptx
+++ b/Unit 8 and 9 Case Study 1/Beers & Breweries/EDA Slide Deck.pptx
@@ -4874,7 +4874,7 @@
           <a:p>
             <a:r>
               <a:rPr lang="en-US" sz="3200" dirty="0"/>
-              <a:t>Prediction Model</a:t>
+              <a:t>Prediction Model (IPA or Other Ale?)</a:t>
             </a:r>
           </a:p>
         </p:txBody>

--- a/Unit 8 and 9 Case Study 1/Beers & Breweries/EDA Slide Deck.pptx
+++ b/Unit 8 and 9 Case Study 1/Beers & Breweries/EDA Slide Deck.pptx
@@ -219,7 +219,7 @@
           <a:p>
             <a:fld id="{AF3F099B-EF83-4692-966C-FF417F917910}" type="datetimeFigureOut">
               <a:rPr lang="en-US" smtClean="0"/>
-              <a:t>7/1/2020</a:t>
+              <a:t>7/3/2020</a:t>
             </a:fld>
             <a:endParaRPr lang="en-US"/>
           </a:p>
@@ -3332,7 +3332,7 @@
         <p:spPr>
           <a:xfrm>
             <a:off x="685800" y="2919046"/>
-            <a:ext cx="5421923" cy="307777"/>
+            <a:ext cx="5421923" cy="738664"/>
           </a:xfrm>
           <a:prstGeom prst="rect">
             <a:avLst/>
@@ -3356,6 +3356,15 @@
             <a:r>
               <a:rPr lang="en-US" sz="1400" dirty="0"/>
               <a:t> Mitra</a:t>
+            </a:r>
+          </a:p>
+          <a:p>
+            <a:endParaRPr lang="en-US" sz="1400" dirty="0"/>
+          </a:p>
+          <a:p>
+            <a:r>
+              <a:rPr lang="en-US" sz="1400" dirty="0"/>
+              <a:t>Link to presentation: https://youtu.be/lxNqFoCjBw0</a:t>
             </a:r>
           </a:p>
         </p:txBody>
